--- a/img/process.pptx
+++ b/img/process.pptx
@@ -200,7 +200,7 @@
           <a:p>
             <a:fld id="{52654774-462D-B446-A9A7-FFCCD46AF623}" type="datetimeFigureOut">
               <a:rPr lang="en-DE" smtClean="0"/>
-              <a:t>20.10.21</a:t>
+              <a:t>05.01.22</a:t>
             </a:fld>
             <a:endParaRPr lang="en-DE"/>
           </a:p>
@@ -785,7 +785,7 @@
           <a:p>
             <a:fld id="{904C9305-0DBD-BA4C-9B2E-C7962FBC37D1}" type="datetimeFigureOut">
               <a:rPr lang="en-DE" smtClean="0"/>
-              <a:t>20.10.21</a:t>
+              <a:t>05.01.22</a:t>
             </a:fld>
             <a:endParaRPr lang="en-DE"/>
           </a:p>
@@ -985,7 +985,7 @@
           <a:p>
             <a:fld id="{904C9305-0DBD-BA4C-9B2E-C7962FBC37D1}" type="datetimeFigureOut">
               <a:rPr lang="en-DE" smtClean="0"/>
-              <a:t>20.10.21</a:t>
+              <a:t>05.01.22</a:t>
             </a:fld>
             <a:endParaRPr lang="en-DE"/>
           </a:p>
@@ -1195,7 +1195,7 @@
           <a:p>
             <a:fld id="{904C9305-0DBD-BA4C-9B2E-C7962FBC37D1}" type="datetimeFigureOut">
               <a:rPr lang="en-DE" smtClean="0"/>
-              <a:t>20.10.21</a:t>
+              <a:t>05.01.22</a:t>
             </a:fld>
             <a:endParaRPr lang="en-DE"/>
           </a:p>
@@ -1395,7 +1395,7 @@
           <a:p>
             <a:fld id="{904C9305-0DBD-BA4C-9B2E-C7962FBC37D1}" type="datetimeFigureOut">
               <a:rPr lang="en-DE" smtClean="0"/>
-              <a:t>20.10.21</a:t>
+              <a:t>05.01.22</a:t>
             </a:fld>
             <a:endParaRPr lang="en-DE"/>
           </a:p>
@@ -1671,7 +1671,7 @@
           <a:p>
             <a:fld id="{904C9305-0DBD-BA4C-9B2E-C7962FBC37D1}" type="datetimeFigureOut">
               <a:rPr lang="en-DE" smtClean="0"/>
-              <a:t>20.10.21</a:t>
+              <a:t>05.01.22</a:t>
             </a:fld>
             <a:endParaRPr lang="en-DE"/>
           </a:p>
@@ -1939,7 +1939,7 @@
           <a:p>
             <a:fld id="{904C9305-0DBD-BA4C-9B2E-C7962FBC37D1}" type="datetimeFigureOut">
               <a:rPr lang="en-DE" smtClean="0"/>
-              <a:t>20.10.21</a:t>
+              <a:t>05.01.22</a:t>
             </a:fld>
             <a:endParaRPr lang="en-DE"/>
           </a:p>
@@ -2354,7 +2354,7 @@
           <a:p>
             <a:fld id="{904C9305-0DBD-BA4C-9B2E-C7962FBC37D1}" type="datetimeFigureOut">
               <a:rPr lang="en-DE" smtClean="0"/>
-              <a:t>20.10.21</a:t>
+              <a:t>05.01.22</a:t>
             </a:fld>
             <a:endParaRPr lang="en-DE"/>
           </a:p>
@@ -2496,7 +2496,7 @@
           <a:p>
             <a:fld id="{904C9305-0DBD-BA4C-9B2E-C7962FBC37D1}" type="datetimeFigureOut">
               <a:rPr lang="en-DE" smtClean="0"/>
-              <a:t>20.10.21</a:t>
+              <a:t>05.01.22</a:t>
             </a:fld>
             <a:endParaRPr lang="en-DE"/>
           </a:p>
@@ -2609,7 +2609,7 @@
           <a:p>
             <a:fld id="{904C9305-0DBD-BA4C-9B2E-C7962FBC37D1}" type="datetimeFigureOut">
               <a:rPr lang="en-DE" smtClean="0"/>
-              <a:t>20.10.21</a:t>
+              <a:t>05.01.22</a:t>
             </a:fld>
             <a:endParaRPr lang="en-DE"/>
           </a:p>
@@ -2922,7 +2922,7 @@
           <a:p>
             <a:fld id="{904C9305-0DBD-BA4C-9B2E-C7962FBC37D1}" type="datetimeFigureOut">
               <a:rPr lang="en-DE" smtClean="0"/>
-              <a:t>20.10.21</a:t>
+              <a:t>05.01.22</a:t>
             </a:fld>
             <a:endParaRPr lang="en-DE"/>
           </a:p>
@@ -3211,7 +3211,7 @@
           <a:p>
             <a:fld id="{904C9305-0DBD-BA4C-9B2E-C7962FBC37D1}" type="datetimeFigureOut">
               <a:rPr lang="en-DE" smtClean="0"/>
-              <a:t>20.10.21</a:t>
+              <a:t>05.01.22</a:t>
             </a:fld>
             <a:endParaRPr lang="en-DE"/>
           </a:p>
@@ -3454,7 +3454,7 @@
           <a:p>
             <a:fld id="{904C9305-0DBD-BA4C-9B2E-C7962FBC37D1}" type="datetimeFigureOut">
               <a:rPr lang="en-DE" smtClean="0"/>
-              <a:t>20.10.21</a:t>
+              <a:t>05.01.22</a:t>
             </a:fld>
             <a:endParaRPr lang="en-DE"/>
           </a:p>
@@ -4404,8 +4404,8 @@
             </a:p>
           </p:txBody>
         </p:sp>
-        <mc:AlternateContent xmlns:mc="http://schemas.openxmlformats.org/markup-compatibility/2006">
-          <mc:Choice xmlns:a14="http://schemas.microsoft.com/office/drawing/2010/main" Requires="a14">
+        <mc:AlternateContent xmlns:mc="http://schemas.openxmlformats.org/markup-compatibility/2006" xmlns:a14="http://schemas.microsoft.com/office/drawing/2010/main">
+          <mc:Choice Requires="a14">
             <p:sp>
               <p:nvSpPr>
                 <p:cNvPr id="17" name="TextBox 16">
@@ -4452,7 +4452,7 @@
               </p:txBody>
             </p:sp>
           </mc:Choice>
-          <mc:Fallback>
+          <mc:Fallback xmlns="">
             <p:sp>
               <p:nvSpPr>
                 <p:cNvPr id="17" name="TextBox 16">
@@ -4601,8 +4601,8 @@
             </a:p>
           </p:txBody>
         </p:sp>
-        <mc:AlternateContent xmlns:mc="http://schemas.openxmlformats.org/markup-compatibility/2006">
-          <mc:Choice xmlns:a14="http://schemas.microsoft.com/office/drawing/2010/main" Requires="a14">
+        <mc:AlternateContent xmlns:mc="http://schemas.openxmlformats.org/markup-compatibility/2006" xmlns:a14="http://schemas.microsoft.com/office/drawing/2010/main">
+          <mc:Choice Requires="a14">
             <p:sp>
               <p:nvSpPr>
                 <p:cNvPr id="24" name="TextBox 23">
@@ -4649,7 +4649,7 @@
               </p:txBody>
             </p:sp>
           </mc:Choice>
-          <mc:Fallback>
+          <mc:Fallback xmlns="">
             <p:sp>
               <p:nvSpPr>
                 <p:cNvPr id="24" name="TextBox 23">
@@ -4925,8 +4925,8 @@
             </p:style>
           </p:cxnSp>
         </p:grpSp>
-        <mc:AlternateContent xmlns:mc="http://schemas.openxmlformats.org/markup-compatibility/2006">
-          <mc:Choice xmlns:a14="http://schemas.microsoft.com/office/drawing/2010/main" Requires="a14">
+        <mc:AlternateContent xmlns:mc="http://schemas.openxmlformats.org/markup-compatibility/2006" xmlns:a14="http://schemas.microsoft.com/office/drawing/2010/main">
+          <mc:Choice Requires="a14">
             <p:sp>
               <p:nvSpPr>
                 <p:cNvPr id="34" name="TextBox 33">
@@ -5137,7 +5137,7 @@
               </p:txBody>
             </p:sp>
           </mc:Choice>
-          <mc:Fallback>
+          <mc:Fallback xmlns="">
             <p:sp>
               <p:nvSpPr>
                 <p:cNvPr id="34" name="TextBox 33">
@@ -5413,8 +5413,8 @@
             </p:style>
           </p:cxnSp>
         </p:grpSp>
-        <mc:AlternateContent xmlns:mc="http://schemas.openxmlformats.org/markup-compatibility/2006">
-          <mc:Choice xmlns:a14="http://schemas.microsoft.com/office/drawing/2010/main" Requires="a14">
+        <mc:AlternateContent xmlns:mc="http://schemas.openxmlformats.org/markup-compatibility/2006" xmlns:a14="http://schemas.microsoft.com/office/drawing/2010/main">
+          <mc:Choice Requires="a14">
             <p:sp>
               <p:nvSpPr>
                 <p:cNvPr id="46" name="TextBox 45">
@@ -5443,6 +5443,7 @@
                 </a:bodyPr>
                 <a:lstStyle/>
                 <a:p>
+                  <a:pPr/>
                   <a14:m>
                     <m:oMathPara xmlns:m="http://schemas.openxmlformats.org/officeDocument/2006/math">
                       <m:oMathParaPr>
@@ -5463,7 +5464,7 @@
               </p:txBody>
             </p:sp>
           </mc:Choice>
-          <mc:Fallback>
+          <mc:Fallback xmlns="">
             <p:sp>
               <p:nvSpPr>
                 <p:cNvPr id="46" name="TextBox 45">
@@ -5508,8 +5509,8 @@
             </p:sp>
           </mc:Fallback>
         </mc:AlternateContent>
-        <mc:AlternateContent xmlns:mc="http://schemas.openxmlformats.org/markup-compatibility/2006">
-          <mc:Choice xmlns:a14="http://schemas.microsoft.com/office/drawing/2010/main" Requires="a14">
+        <mc:AlternateContent xmlns:mc="http://schemas.openxmlformats.org/markup-compatibility/2006" xmlns:a14="http://schemas.microsoft.com/office/drawing/2010/main">
+          <mc:Choice Requires="a14">
             <p:sp>
               <p:nvSpPr>
                 <p:cNvPr id="47" name="TextBox 46">
@@ -5538,6 +5539,7 @@
                 </a:bodyPr>
                 <a:lstStyle/>
                 <a:p>
+                  <a:pPr/>
                   <a14:m>
                     <m:oMathPara xmlns:m="http://schemas.openxmlformats.org/officeDocument/2006/math">
                       <m:oMathParaPr>
@@ -5558,7 +5560,7 @@
               </p:txBody>
             </p:sp>
           </mc:Choice>
-          <mc:Fallback>
+          <mc:Fallback xmlns="">
             <p:sp>
               <p:nvSpPr>
                 <p:cNvPr id="47" name="TextBox 46">
@@ -5728,8 +5730,8 @@
             </a:p>
           </p:txBody>
         </p:sp>
-        <mc:AlternateContent xmlns:mc="http://schemas.openxmlformats.org/markup-compatibility/2006">
-          <mc:Choice xmlns:a14="http://schemas.microsoft.com/office/drawing/2010/main" Requires="a14">
+        <mc:AlternateContent xmlns:mc="http://schemas.openxmlformats.org/markup-compatibility/2006" xmlns:a14="http://schemas.microsoft.com/office/drawing/2010/main">
+          <mc:Choice Requires="a14">
             <p:sp>
               <p:nvSpPr>
                 <p:cNvPr id="52" name="TextBox 51">
@@ -5776,7 +5778,7 @@
               </p:txBody>
             </p:sp>
           </mc:Choice>
-          <mc:Fallback>
+          <mc:Fallback xmlns="">
             <p:sp>
               <p:nvSpPr>
                 <p:cNvPr id="52" name="TextBox 51">
@@ -5821,8 +5823,8 @@
             </p:sp>
           </mc:Fallback>
         </mc:AlternateContent>
-        <mc:AlternateContent xmlns:mc="http://schemas.openxmlformats.org/markup-compatibility/2006">
-          <mc:Choice xmlns:a14="http://schemas.microsoft.com/office/drawing/2010/main" Requires="a14">
+        <mc:AlternateContent xmlns:mc="http://schemas.openxmlformats.org/markup-compatibility/2006" xmlns:a14="http://schemas.microsoft.com/office/drawing/2010/main">
+          <mc:Choice Requires="a14">
             <p:sp>
               <p:nvSpPr>
                 <p:cNvPr id="55" name="TextBox 54">
@@ -5869,7 +5871,7 @@
               </p:txBody>
             </p:sp>
           </mc:Choice>
-          <mc:Fallback>
+          <mc:Fallback xmlns="">
             <p:sp>
               <p:nvSpPr>
                 <p:cNvPr id="55" name="TextBox 54">
@@ -5914,8 +5916,8 @@
             </p:sp>
           </mc:Fallback>
         </mc:AlternateContent>
-        <mc:AlternateContent xmlns:mc="http://schemas.openxmlformats.org/markup-compatibility/2006">
-          <mc:Choice xmlns:a14="http://schemas.microsoft.com/office/drawing/2010/main" Requires="a14">
+        <mc:AlternateContent xmlns:mc="http://schemas.openxmlformats.org/markup-compatibility/2006" xmlns:a14="http://schemas.microsoft.com/office/drawing/2010/main">
+          <mc:Choice Requires="a14">
             <p:sp>
               <p:nvSpPr>
                 <p:cNvPr id="57" name="TextBox 56">
@@ -6126,7 +6128,7 @@
               </p:txBody>
             </p:sp>
           </mc:Choice>
-          <mc:Fallback>
+          <mc:Fallback xmlns="">
             <p:sp>
               <p:nvSpPr>
                 <p:cNvPr id="57" name="TextBox 56">
@@ -6404,8 +6406,8 @@
             </p:style>
           </p:cxnSp>
         </p:grpSp>
-        <mc:AlternateContent xmlns:mc="http://schemas.openxmlformats.org/markup-compatibility/2006">
-          <mc:Choice xmlns:a14="http://schemas.microsoft.com/office/drawing/2010/main" Requires="a14">
+        <mc:AlternateContent xmlns:mc="http://schemas.openxmlformats.org/markup-compatibility/2006" xmlns:a14="http://schemas.microsoft.com/office/drawing/2010/main">
+          <mc:Choice Requires="a14">
             <p:sp>
               <p:nvSpPr>
                 <p:cNvPr id="59" name="TextBox 58">
@@ -6434,6 +6436,7 @@
                 </a:bodyPr>
                 <a:lstStyle/>
                 <a:p>
+                  <a:pPr/>
                   <a14:m>
                     <m:oMathPara xmlns:m="http://schemas.openxmlformats.org/officeDocument/2006/math">
                       <m:oMathParaPr>
@@ -6454,7 +6457,7 @@
               </p:txBody>
             </p:sp>
           </mc:Choice>
-          <mc:Fallback>
+          <mc:Fallback xmlns="">
             <p:sp>
               <p:nvSpPr>
                 <p:cNvPr id="59" name="TextBox 58">
@@ -6499,8 +6502,8 @@
             </p:sp>
           </mc:Fallback>
         </mc:AlternateContent>
-        <mc:AlternateContent xmlns:mc="http://schemas.openxmlformats.org/markup-compatibility/2006">
-          <mc:Choice xmlns:a14="http://schemas.microsoft.com/office/drawing/2010/main" Requires="a14">
+        <mc:AlternateContent xmlns:mc="http://schemas.openxmlformats.org/markup-compatibility/2006" xmlns:a14="http://schemas.microsoft.com/office/drawing/2010/main">
+          <mc:Choice Requires="a14">
             <p:sp>
               <p:nvSpPr>
                 <p:cNvPr id="60" name="TextBox 59">
@@ -6529,6 +6532,7 @@
                 </a:bodyPr>
                 <a:lstStyle/>
                 <a:p>
+                  <a:pPr/>
                   <a14:m>
                     <m:oMathPara xmlns:m="http://schemas.openxmlformats.org/officeDocument/2006/math">
                       <m:oMathParaPr>
@@ -6549,7 +6553,7 @@
               </p:txBody>
             </p:sp>
           </mc:Choice>
-          <mc:Fallback>
+          <mc:Fallback xmlns="">
             <p:sp>
               <p:nvSpPr>
                 <p:cNvPr id="60" name="TextBox 59">
@@ -9514,8 +9518,8 @@
           </p:txBody>
         </p:sp>
       </p:grpSp>
-      <mc:AlternateContent xmlns:mc="http://schemas.openxmlformats.org/markup-compatibility/2006">
-        <mc:Choice xmlns:a14="http://schemas.microsoft.com/office/drawing/2010/main" Requires="a14">
+      <mc:AlternateContent xmlns:mc="http://schemas.openxmlformats.org/markup-compatibility/2006" xmlns:a14="http://schemas.microsoft.com/office/drawing/2010/main">
+        <mc:Choice Requires="a14">
           <p:sp>
             <p:nvSpPr>
               <p:cNvPr id="2" name="TextBox 1">
@@ -9544,6 +9548,7 @@
               </a:bodyPr>
               <a:lstStyle/>
               <a:p>
+                <a:pPr/>
                 <a14:m>
                   <m:oMathPara xmlns:m="http://schemas.openxmlformats.org/officeDocument/2006/math">
                     <m:oMathParaPr>
@@ -9564,7 +9569,7 @@
             </p:txBody>
           </p:sp>
         </mc:Choice>
-        <mc:Fallback>
+        <mc:Fallback xmlns="">
           <p:sp>
             <p:nvSpPr>
               <p:cNvPr id="2" name="TextBox 1">
@@ -9609,8 +9614,8 @@
           </p:sp>
         </mc:Fallback>
       </mc:AlternateContent>
-      <mc:AlternateContent xmlns:mc="http://schemas.openxmlformats.org/markup-compatibility/2006">
-        <mc:Choice xmlns:a14="http://schemas.microsoft.com/office/drawing/2010/main" Requires="a14">
+      <mc:AlternateContent xmlns:mc="http://schemas.openxmlformats.org/markup-compatibility/2006" xmlns:a14="http://schemas.microsoft.com/office/drawing/2010/main">
+        <mc:Choice Requires="a14">
           <p:sp>
             <p:nvSpPr>
               <p:cNvPr id="58" name="TextBox 57">
@@ -9639,6 +9644,7 @@
               </a:bodyPr>
               <a:lstStyle/>
               <a:p>
+                <a:pPr/>
                 <a14:m>
                   <m:oMathPara xmlns:m="http://schemas.openxmlformats.org/officeDocument/2006/math">
                     <m:oMathParaPr>
@@ -9659,7 +9665,7 @@
             </p:txBody>
           </p:sp>
         </mc:Choice>
-        <mc:Fallback>
+        <mc:Fallback xmlns="">
           <p:sp>
             <p:nvSpPr>
               <p:cNvPr id="58" name="TextBox 57">
@@ -9704,8 +9710,8 @@
           </p:sp>
         </mc:Fallback>
       </mc:AlternateContent>
-      <mc:AlternateContent xmlns:mc="http://schemas.openxmlformats.org/markup-compatibility/2006">
-        <mc:Choice xmlns:a14="http://schemas.microsoft.com/office/drawing/2010/main" Requires="a14">
+      <mc:AlternateContent xmlns:mc="http://schemas.openxmlformats.org/markup-compatibility/2006" xmlns:a14="http://schemas.microsoft.com/office/drawing/2010/main">
+        <mc:Choice Requires="a14">
           <p:sp>
             <p:nvSpPr>
               <p:cNvPr id="59" name="TextBox 58">
@@ -9734,6 +9740,7 @@
               </a:bodyPr>
               <a:lstStyle/>
               <a:p>
+                <a:pPr/>
                 <a14:m>
                   <m:oMathPara xmlns:m="http://schemas.openxmlformats.org/officeDocument/2006/math">
                     <m:oMathParaPr>
@@ -9754,7 +9761,7 @@
             </p:txBody>
           </p:sp>
         </mc:Choice>
-        <mc:Fallback>
+        <mc:Fallback xmlns="">
           <p:sp>
             <p:nvSpPr>
               <p:cNvPr id="59" name="TextBox 58">
@@ -9980,36 +9987,6 @@
       </p:sp>
       <p:pic>
         <p:nvPicPr>
-          <p:cNvPr id="5" name="Picture 4">
-            <a:extLst>
-              <a:ext uri="{FF2B5EF4-FFF2-40B4-BE49-F238E27FC236}">
-                <a16:creationId xmlns:a16="http://schemas.microsoft.com/office/drawing/2014/main" id="{75DD9DBC-4270-F84B-A364-E51EEA1133CA}"/>
-              </a:ext>
-            </a:extLst>
-          </p:cNvPr>
-          <p:cNvPicPr>
-            <a:picLocks noChangeAspect="1"/>
-          </p:cNvPicPr>
-          <p:nvPr/>
-        </p:nvPicPr>
-        <p:blipFill>
-          <a:blip r:embed="rId3"/>
-          <a:stretch>
-            <a:fillRect/>
-          </a:stretch>
-        </p:blipFill>
-        <p:spPr>
-          <a:xfrm>
-            <a:off x="74142" y="1037235"/>
-            <a:ext cx="1185619" cy="778136"/>
-          </a:xfrm>
-          <a:prstGeom prst="rect">
-            <a:avLst/>
-          </a:prstGeom>
-        </p:spPr>
-      </p:pic>
-      <p:pic>
-        <p:nvPicPr>
           <p:cNvPr id="7" name="Picture 6">
             <a:extLst>
               <a:ext uri="{FF2B5EF4-FFF2-40B4-BE49-F238E27FC236}">
@@ -10023,7 +10000,7 @@
           <p:nvPr/>
         </p:nvPicPr>
         <p:blipFill>
-          <a:blip r:embed="rId4"/>
+          <a:blip r:embed="rId3"/>
           <a:stretch>
             <a:fillRect/>
           </a:stretch>
@@ -10053,14 +10030,14 @@
           <p:nvPr/>
         </p:nvPicPr>
         <p:blipFill>
-          <a:blip r:embed="rId5"/>
+          <a:blip r:embed="rId4"/>
           <a:stretch>
             <a:fillRect/>
           </a:stretch>
         </p:blipFill>
         <p:spPr>
           <a:xfrm>
-            <a:off x="74140" y="5374936"/>
+            <a:off x="46175" y="5351734"/>
             <a:ext cx="1175623" cy="764900"/>
           </a:xfrm>
           <a:prstGeom prst="rect">
@@ -10227,426 +10204,199 @@
           </p:txBody>
         </p:sp>
       </p:grpSp>
-      <mc:AlternateContent xmlns:mc="http://schemas.openxmlformats.org/markup-compatibility/2006" xmlns:a14="http://schemas.microsoft.com/office/drawing/2010/main">
-        <mc:Choice Requires="a14">
-          <p:sp>
-            <p:nvSpPr>
-              <p:cNvPr id="20" name="TextBox 19">
-                <a:extLst>
-                  <a:ext uri="{FF2B5EF4-FFF2-40B4-BE49-F238E27FC236}">
-                    <a16:creationId xmlns:a16="http://schemas.microsoft.com/office/drawing/2014/main" id="{D49E8F48-FA20-3740-B23C-F50B86E0213B}"/>
-                  </a:ext>
-                </a:extLst>
-              </p:cNvPr>
-              <p:cNvSpPr txBox="1"/>
-              <p:nvPr/>
-            </p:nvSpPr>
-            <p:spPr>
-              <a:xfrm>
-                <a:off x="1069398" y="1071020"/>
-                <a:ext cx="1280081" cy="369332"/>
-              </a:xfrm>
-              <a:prstGeom prst="rect">
-                <a:avLst/>
-              </a:prstGeom>
-              <a:noFill/>
-            </p:spPr>
-            <p:txBody>
-              <a:bodyPr wrap="square" rtlCol="0">
-                <a:spAutoFit/>
-              </a:bodyPr>
-              <a:lstStyle/>
-              <a:p>
-                <a:pPr/>
-                <a14:m>
-                  <m:oMathPara xmlns:m="http://schemas.openxmlformats.org/officeDocument/2006/math">
-                    <m:oMathParaPr>
-                      <m:jc m:val="centerGroup"/>
-                    </m:oMathParaPr>
-                    <m:oMath xmlns:m="http://schemas.openxmlformats.org/officeDocument/2006/math">
-                      <m:r>
-                        <a:rPr lang="en-US" b="0" i="1" smtClean="0">
-                          <a:latin typeface="Cambria Math" panose="02040503050406030204" pitchFamily="18" charset="0"/>
-                        </a:rPr>
-                        <m:t>𝑆𝑡𝑎𝑡𝑠</m:t>
-                      </m:r>
-                    </m:oMath>
-                  </m:oMathPara>
-                </a14:m>
-                <a:endParaRPr lang="en-DE" dirty="0"/>
-              </a:p>
-            </p:txBody>
-          </p:sp>
-        </mc:Choice>
-        <mc:Fallback xmlns="">
-          <p:sp>
-            <p:nvSpPr>
-              <p:cNvPr id="20" name="TextBox 19">
-                <a:extLst>
-                  <a:ext uri="{FF2B5EF4-FFF2-40B4-BE49-F238E27FC236}">
-                    <a16:creationId xmlns:a16="http://schemas.microsoft.com/office/drawing/2014/main" id="{D49E8F48-FA20-3740-B23C-F50B86E0213B}"/>
-                  </a:ext>
-                </a:extLst>
-              </p:cNvPr>
-              <p:cNvSpPr txBox="1">
-                <a:spLocks noRot="1" noChangeAspect="1" noMove="1" noResize="1" noEditPoints="1" noAdjustHandles="1" noChangeArrowheads="1" noChangeShapeType="1" noTextEdit="1"/>
-              </p:cNvSpPr>
-              <p:nvPr/>
-            </p:nvSpPr>
-            <p:spPr>
-              <a:xfrm>
-                <a:off x="1069398" y="1071020"/>
-                <a:ext cx="1280081" cy="369332"/>
-              </a:xfrm>
-              <a:prstGeom prst="rect">
-                <a:avLst/>
-              </a:prstGeom>
-              <a:blipFill>
-                <a:blip r:embed="rId6"/>
-                <a:stretch>
-                  <a:fillRect/>
-                </a:stretch>
-              </a:blipFill>
-            </p:spPr>
-            <p:txBody>
-              <a:bodyPr/>
-              <a:lstStyle/>
-              <a:p>
-                <a:r>
-                  <a:rPr lang="en-DE">
-                    <a:noFill/>
-                  </a:rPr>
-                  <a:t> </a:t>
-                </a:r>
-              </a:p>
-            </p:txBody>
-          </p:sp>
-        </mc:Fallback>
-      </mc:AlternateContent>
-      <mc:AlternateContent xmlns:mc="http://schemas.openxmlformats.org/markup-compatibility/2006" xmlns:a14="http://schemas.microsoft.com/office/drawing/2010/main">
-        <mc:Choice Requires="a14">
-          <p:sp>
-            <p:nvSpPr>
-              <p:cNvPr id="22" name="TextBox 21">
-                <a:extLst>
-                  <a:ext uri="{FF2B5EF4-FFF2-40B4-BE49-F238E27FC236}">
-                    <a16:creationId xmlns:a16="http://schemas.microsoft.com/office/drawing/2014/main" id="{A6EB43AF-F738-F64D-920C-24ACD07C0BA3}"/>
-                  </a:ext>
-                </a:extLst>
-              </p:cNvPr>
-              <p:cNvSpPr txBox="1"/>
-              <p:nvPr/>
-            </p:nvSpPr>
-            <p:spPr>
-              <a:xfrm>
-                <a:off x="1069396" y="3577023"/>
-                <a:ext cx="1280081" cy="369332"/>
-              </a:xfrm>
-              <a:prstGeom prst="rect">
-                <a:avLst/>
-              </a:prstGeom>
-              <a:noFill/>
-            </p:spPr>
-            <p:txBody>
-              <a:bodyPr wrap="square" rtlCol="0">
-                <a:spAutoFit/>
-              </a:bodyPr>
-              <a:lstStyle/>
-              <a:p>
-                <a:pPr/>
-                <a14:m>
-                  <m:oMathPara xmlns:m="http://schemas.openxmlformats.org/officeDocument/2006/math">
-                    <m:oMathParaPr>
-                      <m:jc m:val="centerGroup"/>
-                    </m:oMathParaPr>
-                    <m:oMath xmlns:m="http://schemas.openxmlformats.org/officeDocument/2006/math">
-                      <m:r>
-                        <a:rPr lang="en-US" b="0" i="1" smtClean="0">
-                          <a:latin typeface="Cambria Math" panose="02040503050406030204" pitchFamily="18" charset="0"/>
-                        </a:rPr>
-                        <m:t>𝑆𝑡𝑎𝑡𝑠</m:t>
-                      </m:r>
-                    </m:oMath>
-                  </m:oMathPara>
-                </a14:m>
-                <a:endParaRPr lang="en-DE" dirty="0"/>
-              </a:p>
-            </p:txBody>
-          </p:sp>
-        </mc:Choice>
-        <mc:Fallback xmlns="">
-          <p:sp>
-            <p:nvSpPr>
-              <p:cNvPr id="22" name="TextBox 21">
-                <a:extLst>
-                  <a:ext uri="{FF2B5EF4-FFF2-40B4-BE49-F238E27FC236}">
-                    <a16:creationId xmlns:a16="http://schemas.microsoft.com/office/drawing/2014/main" id="{A6EB43AF-F738-F64D-920C-24ACD07C0BA3}"/>
-                  </a:ext>
-                </a:extLst>
-              </p:cNvPr>
-              <p:cNvSpPr txBox="1">
-                <a:spLocks noRot="1" noChangeAspect="1" noMove="1" noResize="1" noEditPoints="1" noAdjustHandles="1" noChangeArrowheads="1" noChangeShapeType="1" noTextEdit="1"/>
-              </p:cNvSpPr>
-              <p:nvPr/>
-            </p:nvSpPr>
-            <p:spPr>
-              <a:xfrm>
-                <a:off x="1069396" y="3577023"/>
-                <a:ext cx="1280081" cy="369332"/>
-              </a:xfrm>
-              <a:prstGeom prst="rect">
-                <a:avLst/>
-              </a:prstGeom>
-              <a:blipFill>
-                <a:blip r:embed="rId6"/>
-                <a:stretch>
-                  <a:fillRect/>
-                </a:stretch>
-              </a:blipFill>
-            </p:spPr>
-            <p:txBody>
-              <a:bodyPr/>
-              <a:lstStyle/>
-              <a:p>
-                <a:r>
-                  <a:rPr lang="en-DE">
-                    <a:noFill/>
-                  </a:rPr>
-                  <a:t> </a:t>
-                </a:r>
-              </a:p>
-            </p:txBody>
-          </p:sp>
-        </mc:Fallback>
-      </mc:AlternateContent>
-      <mc:AlternateContent xmlns:mc="http://schemas.openxmlformats.org/markup-compatibility/2006" xmlns:a14="http://schemas.microsoft.com/office/drawing/2010/main">
-        <mc:Choice Requires="a14">
-          <p:sp>
-            <p:nvSpPr>
-              <p:cNvPr id="23" name="TextBox 22">
-                <a:extLst>
-                  <a:ext uri="{FF2B5EF4-FFF2-40B4-BE49-F238E27FC236}">
-                    <a16:creationId xmlns:a16="http://schemas.microsoft.com/office/drawing/2014/main" id="{47D7AC1F-688E-2B48-8D4D-C980EA1531F3}"/>
-                  </a:ext>
-                </a:extLst>
-              </p:cNvPr>
-              <p:cNvSpPr txBox="1"/>
-              <p:nvPr/>
-            </p:nvSpPr>
-            <p:spPr>
-              <a:xfrm>
-                <a:off x="1069396" y="5398841"/>
-                <a:ext cx="1280081" cy="369332"/>
-              </a:xfrm>
-              <a:prstGeom prst="rect">
-                <a:avLst/>
-              </a:prstGeom>
-              <a:noFill/>
-            </p:spPr>
-            <p:txBody>
-              <a:bodyPr wrap="square" rtlCol="0">
-                <a:spAutoFit/>
-              </a:bodyPr>
-              <a:lstStyle/>
-              <a:p>
-                <a:pPr/>
-                <a14:m>
-                  <m:oMathPara xmlns:m="http://schemas.openxmlformats.org/officeDocument/2006/math">
-                    <m:oMathParaPr>
-                      <m:jc m:val="centerGroup"/>
-                    </m:oMathParaPr>
-                    <m:oMath xmlns:m="http://schemas.openxmlformats.org/officeDocument/2006/math">
-                      <m:r>
-                        <a:rPr lang="en-US" b="0" i="1" smtClean="0">
-                          <a:latin typeface="Cambria Math" panose="02040503050406030204" pitchFamily="18" charset="0"/>
-                        </a:rPr>
-                        <m:t>𝑆𝑡𝑎𝑡𝑠</m:t>
-                      </m:r>
-                    </m:oMath>
-                  </m:oMathPara>
-                </a14:m>
-                <a:endParaRPr lang="en-DE" dirty="0"/>
-              </a:p>
-            </p:txBody>
-          </p:sp>
-        </mc:Choice>
-        <mc:Fallback xmlns="">
-          <p:sp>
-            <p:nvSpPr>
-              <p:cNvPr id="23" name="TextBox 22">
-                <a:extLst>
-                  <a:ext uri="{FF2B5EF4-FFF2-40B4-BE49-F238E27FC236}">
-                    <a16:creationId xmlns:a16="http://schemas.microsoft.com/office/drawing/2014/main" id="{47D7AC1F-688E-2B48-8D4D-C980EA1531F3}"/>
-                  </a:ext>
-                </a:extLst>
-              </p:cNvPr>
-              <p:cNvSpPr txBox="1">
-                <a:spLocks noRot="1" noChangeAspect="1" noMove="1" noResize="1" noEditPoints="1" noAdjustHandles="1" noChangeArrowheads="1" noChangeShapeType="1" noTextEdit="1"/>
-              </p:cNvSpPr>
-              <p:nvPr/>
-            </p:nvSpPr>
-            <p:spPr>
-              <a:xfrm>
-                <a:off x="1069396" y="5398841"/>
-                <a:ext cx="1280081" cy="369332"/>
-              </a:xfrm>
-              <a:prstGeom prst="rect">
-                <a:avLst/>
-              </a:prstGeom>
-              <a:blipFill>
-                <a:blip r:embed="rId7"/>
-                <a:stretch>
-                  <a:fillRect/>
-                </a:stretch>
-              </a:blipFill>
-            </p:spPr>
-            <p:txBody>
-              <a:bodyPr/>
-              <a:lstStyle/>
-              <a:p>
-                <a:r>
-                  <a:rPr lang="en-DE">
-                    <a:noFill/>
-                  </a:rPr>
-                  <a:t> </a:t>
-                </a:r>
-              </a:p>
-            </p:txBody>
-          </p:sp>
-        </mc:Fallback>
-      </mc:AlternateContent>
-      <p:cxnSp>
-        <p:nvCxnSpPr>
-          <p:cNvPr id="25" name="Straight Arrow Connector 24">
+      <p:grpSp>
+        <p:nvGrpSpPr>
+          <p:cNvPr id="6" name="Group 5">
             <a:extLst>
               <a:ext uri="{FF2B5EF4-FFF2-40B4-BE49-F238E27FC236}">
-                <a16:creationId xmlns:a16="http://schemas.microsoft.com/office/drawing/2014/main" id="{D5E52C0F-4390-4F43-A2BF-366D5C2970F8}"/>
+                <a16:creationId xmlns:a16="http://schemas.microsoft.com/office/drawing/2014/main" id="{74158A54-AECC-8746-8338-32BCA47567B6}"/>
               </a:ext>
             </a:extLst>
           </p:cNvPr>
-          <p:cNvCxnSpPr/>
+          <p:cNvGrpSpPr/>
           <p:nvPr/>
-        </p:nvCxnSpPr>
-        <p:spPr>
+        </p:nvGrpSpPr>
+        <p:grpSpPr>
           <a:xfrm>
-            <a:off x="1329446" y="1440352"/>
-            <a:ext cx="729048" cy="0"/>
+            <a:off x="74142" y="1037235"/>
+            <a:ext cx="3225239" cy="778136"/>
+            <a:chOff x="74142" y="1037235"/>
+            <a:chExt cx="3225239" cy="778136"/>
           </a:xfrm>
-          <a:prstGeom prst="straightConnector1">
-            <a:avLst/>
-          </a:prstGeom>
-          <a:ln w="38100">
-            <a:solidFill>
-              <a:schemeClr val="tx2">
-                <a:lumMod val="50000"/>
-              </a:schemeClr>
-            </a:solidFill>
-            <a:tailEnd type="triangle"/>
-          </a:ln>
-        </p:spPr>
-        <p:style>
-          <a:lnRef idx="1">
-            <a:schemeClr val="accent1"/>
-          </a:lnRef>
-          <a:fillRef idx="0">
-            <a:schemeClr val="accent1"/>
-          </a:fillRef>
-          <a:effectRef idx="0">
-            <a:schemeClr val="accent1"/>
-          </a:effectRef>
-          <a:fontRef idx="minor">
-            <a:schemeClr val="tx1"/>
-          </a:fontRef>
-        </p:style>
-      </p:cxnSp>
-      <p:cxnSp>
-        <p:nvCxnSpPr>
-          <p:cNvPr id="27" name="Straight Arrow Connector 26">
-            <a:extLst>
-              <a:ext uri="{FF2B5EF4-FFF2-40B4-BE49-F238E27FC236}">
-                <a16:creationId xmlns:a16="http://schemas.microsoft.com/office/drawing/2014/main" id="{27716C09-FAF4-F74D-96BD-A0269C3EC10B}"/>
-              </a:ext>
-            </a:extLst>
-          </p:cNvPr>
-          <p:cNvCxnSpPr/>
-          <p:nvPr/>
-        </p:nvCxnSpPr>
-        <p:spPr>
-          <a:xfrm>
-            <a:off x="1344912" y="3946355"/>
-            <a:ext cx="729048" cy="0"/>
-          </a:xfrm>
-          <a:prstGeom prst="straightConnector1">
-            <a:avLst/>
-          </a:prstGeom>
-          <a:ln w="38100">
-            <a:solidFill>
-              <a:schemeClr val="tx2">
-                <a:lumMod val="50000"/>
-              </a:schemeClr>
-            </a:solidFill>
-            <a:tailEnd type="triangle"/>
-          </a:ln>
-        </p:spPr>
-        <p:style>
-          <a:lnRef idx="1">
-            <a:schemeClr val="accent1"/>
-          </a:lnRef>
-          <a:fillRef idx="0">
-            <a:schemeClr val="accent1"/>
-          </a:fillRef>
-          <a:effectRef idx="0">
-            <a:schemeClr val="accent1"/>
-          </a:effectRef>
-          <a:fontRef idx="minor">
-            <a:schemeClr val="tx1"/>
-          </a:fontRef>
-        </p:style>
-      </p:cxnSp>
-      <p:cxnSp>
-        <p:nvCxnSpPr>
-          <p:cNvPr id="28" name="Straight Arrow Connector 27">
-            <a:extLst>
-              <a:ext uri="{FF2B5EF4-FFF2-40B4-BE49-F238E27FC236}">
-                <a16:creationId xmlns:a16="http://schemas.microsoft.com/office/drawing/2014/main" id="{F10F1A36-BE2B-D84B-AF14-883C04C35F4B}"/>
-              </a:ext>
-            </a:extLst>
-          </p:cNvPr>
-          <p:cNvCxnSpPr/>
-          <p:nvPr/>
-        </p:nvCxnSpPr>
-        <p:spPr>
-          <a:xfrm>
-            <a:off x="1329444" y="5768173"/>
-            <a:ext cx="729048" cy="0"/>
-          </a:xfrm>
-          <a:prstGeom prst="straightConnector1">
-            <a:avLst/>
-          </a:prstGeom>
-          <a:ln w="38100">
-            <a:solidFill>
-              <a:schemeClr val="tx2">
-                <a:lumMod val="50000"/>
-              </a:schemeClr>
-            </a:solidFill>
-            <a:tailEnd type="triangle"/>
-          </a:ln>
-        </p:spPr>
-        <p:style>
-          <a:lnRef idx="1">
-            <a:schemeClr val="accent1"/>
-          </a:lnRef>
-          <a:fillRef idx="0">
-            <a:schemeClr val="accent1"/>
-          </a:fillRef>
-          <a:effectRef idx="0">
-            <a:schemeClr val="accent1"/>
-          </a:effectRef>
-          <a:fontRef idx="minor">
-            <a:schemeClr val="tx1"/>
-          </a:fontRef>
-        </p:style>
-      </p:cxnSp>
+        </p:grpSpPr>
+        <p:pic>
+          <p:nvPicPr>
+            <p:cNvPr id="5" name="Picture 4">
+              <a:extLst>
+                <a:ext uri="{FF2B5EF4-FFF2-40B4-BE49-F238E27FC236}">
+                  <a16:creationId xmlns:a16="http://schemas.microsoft.com/office/drawing/2014/main" id="{75DD9DBC-4270-F84B-A364-E51EEA1133CA}"/>
+                </a:ext>
+              </a:extLst>
+            </p:cNvPr>
+            <p:cNvPicPr>
+              <a:picLocks noChangeAspect="1"/>
+            </p:cNvPicPr>
+            <p:nvPr/>
+          </p:nvPicPr>
+          <p:blipFill>
+            <a:blip r:embed="rId5"/>
+            <a:stretch>
+              <a:fillRect/>
+            </a:stretch>
+          </p:blipFill>
+          <p:spPr>
+            <a:xfrm>
+              <a:off x="74142" y="1037235"/>
+              <a:ext cx="1185619" cy="778136"/>
+            </a:xfrm>
+            <a:prstGeom prst="rect">
+              <a:avLst/>
+            </a:prstGeom>
+          </p:spPr>
+        </p:pic>
+        <mc:AlternateContent xmlns:mc="http://schemas.openxmlformats.org/markup-compatibility/2006">
+          <mc:Choice xmlns:a14="http://schemas.microsoft.com/office/drawing/2010/main" Requires="a14">
+            <p:sp>
+              <p:nvSpPr>
+                <p:cNvPr id="20" name="TextBox 19">
+                  <a:extLst>
+                    <a:ext uri="{FF2B5EF4-FFF2-40B4-BE49-F238E27FC236}">
+                      <a16:creationId xmlns:a16="http://schemas.microsoft.com/office/drawing/2014/main" id="{D49E8F48-FA20-3740-B23C-F50B86E0213B}"/>
+                    </a:ext>
+                  </a:extLst>
+                </p:cNvPr>
+                <p:cNvSpPr txBox="1"/>
+                <p:nvPr/>
+              </p:nvSpPr>
+              <p:spPr>
+                <a:xfrm>
+                  <a:off x="1069398" y="1071020"/>
+                  <a:ext cx="1280081" cy="369332"/>
+                </a:xfrm>
+                <a:prstGeom prst="rect">
+                  <a:avLst/>
+                </a:prstGeom>
+                <a:noFill/>
+              </p:spPr>
+              <p:txBody>
+                <a:bodyPr wrap="square" rtlCol="0">
+                  <a:spAutoFit/>
+                </a:bodyPr>
+                <a:lstStyle/>
+                <a:p>
+                  <a:pPr/>
+                  <a14:m>
+                    <m:oMathPara xmlns:m="http://schemas.openxmlformats.org/officeDocument/2006/math">
+                      <m:oMathParaPr>
+                        <m:jc m:val="centerGroup"/>
+                      </m:oMathParaPr>
+                      <m:oMath xmlns:m="http://schemas.openxmlformats.org/officeDocument/2006/math">
+                        <m:r>
+                          <a:rPr lang="en-US" b="0" i="1" smtClean="0">
+                            <a:latin typeface="Cambria Math" panose="02040503050406030204" pitchFamily="18" charset="0"/>
+                          </a:rPr>
+                          <m:t>𝑆𝑡𝑎𝑡𝑠</m:t>
+                        </m:r>
+                      </m:oMath>
+                    </m:oMathPara>
+                  </a14:m>
+                  <a:endParaRPr lang="en-DE" dirty="0"/>
+                </a:p>
+              </p:txBody>
+            </p:sp>
+          </mc:Choice>
+          <mc:Fallback>
+            <p:sp>
+              <p:nvSpPr>
+                <p:cNvPr id="20" name="TextBox 19">
+                  <a:extLst>
+                    <a:ext uri="{FF2B5EF4-FFF2-40B4-BE49-F238E27FC236}">
+                      <a16:creationId xmlns:a16="http://schemas.microsoft.com/office/drawing/2014/main" id="{D49E8F48-FA20-3740-B23C-F50B86E0213B}"/>
+                    </a:ext>
+                  </a:extLst>
+                </p:cNvPr>
+                <p:cNvSpPr txBox="1">
+                  <a:spLocks noRot="1" noChangeAspect="1" noMove="1" noResize="1" noEditPoints="1" noAdjustHandles="1" noChangeArrowheads="1" noChangeShapeType="1" noTextEdit="1"/>
+                </p:cNvSpPr>
+                <p:nvPr/>
+              </p:nvSpPr>
+              <p:spPr>
+                <a:xfrm>
+                  <a:off x="1069398" y="1071020"/>
+                  <a:ext cx="1280081" cy="369332"/>
+                </a:xfrm>
+                <a:prstGeom prst="rect">
+                  <a:avLst/>
+                </a:prstGeom>
+                <a:blipFill>
+                  <a:blip r:embed="rId6"/>
+                  <a:stretch>
+                    <a:fillRect/>
+                  </a:stretch>
+                </a:blipFill>
+              </p:spPr>
+              <p:txBody>
+                <a:bodyPr/>
+                <a:lstStyle/>
+                <a:p>
+                  <a:r>
+                    <a:rPr lang="en-DE">
+                      <a:noFill/>
+                    </a:rPr>
+                    <a:t> </a:t>
+                  </a:r>
+                </a:p>
+              </p:txBody>
+            </p:sp>
+          </mc:Fallback>
+        </mc:AlternateContent>
+        <p:cxnSp>
+          <p:nvCxnSpPr>
+            <p:cNvPr id="25" name="Straight Arrow Connector 24">
+              <a:extLst>
+                <a:ext uri="{FF2B5EF4-FFF2-40B4-BE49-F238E27FC236}">
+                  <a16:creationId xmlns:a16="http://schemas.microsoft.com/office/drawing/2014/main" id="{D5E52C0F-4390-4F43-A2BF-366D5C2970F8}"/>
+                </a:ext>
+              </a:extLst>
+            </p:cNvPr>
+            <p:cNvCxnSpPr>
+              <a:cxnSpLocks/>
+            </p:cNvCxnSpPr>
+            <p:nvPr/>
+          </p:nvCxnSpPr>
+          <p:spPr>
+            <a:xfrm>
+              <a:off x="1329446" y="1440352"/>
+              <a:ext cx="1969935" cy="0"/>
+            </a:xfrm>
+            <a:prstGeom prst="straightConnector1">
+              <a:avLst/>
+            </a:prstGeom>
+            <a:ln w="57150">
+              <a:solidFill>
+                <a:schemeClr val="tx2">
+                  <a:lumMod val="50000"/>
+                </a:schemeClr>
+              </a:solidFill>
+              <a:tailEnd type="triangle"/>
+            </a:ln>
+          </p:spPr>
+          <p:style>
+            <a:lnRef idx="1">
+              <a:schemeClr val="accent1"/>
+            </a:lnRef>
+            <a:fillRef idx="0">
+              <a:schemeClr val="accent1"/>
+            </a:fillRef>
+            <a:effectRef idx="0">
+              <a:schemeClr val="accent1"/>
+            </a:effectRef>
+            <a:fontRef idx="minor">
+              <a:schemeClr val="tx1"/>
+            </a:fontRef>
+          </p:style>
+        </p:cxnSp>
+      </p:grpSp>
       <p:pic>
         <p:nvPicPr>
           <p:cNvPr id="2" name="Picture 1">
@@ -10662,7 +10412,7 @@
           <p:nvPr/>
         </p:nvPicPr>
         <p:blipFill>
-          <a:blip r:embed="rId8"/>
+          <a:blip r:embed="rId7"/>
           <a:stretch>
             <a:fillRect/>
           </a:stretch>
@@ -10994,6 +10744,332 @@
             </a:p>
           </p:txBody>
         </p:sp>
+      </p:grpSp>
+      <p:grpSp>
+        <p:nvGrpSpPr>
+          <p:cNvPr id="12" name="Group 11">
+            <a:extLst>
+              <a:ext uri="{FF2B5EF4-FFF2-40B4-BE49-F238E27FC236}">
+                <a16:creationId xmlns:a16="http://schemas.microsoft.com/office/drawing/2014/main" id="{13AD5475-3A73-0044-B195-FC812D44ACFB}"/>
+              </a:ext>
+            </a:extLst>
+          </p:cNvPr>
+          <p:cNvGrpSpPr/>
+          <p:nvPr/>
+        </p:nvGrpSpPr>
+        <p:grpSpPr>
+          <a:xfrm>
+            <a:off x="1069398" y="5417648"/>
+            <a:ext cx="2229983" cy="369332"/>
+            <a:chOff x="3367754" y="4351697"/>
+            <a:chExt cx="2229983" cy="369332"/>
+          </a:xfrm>
+        </p:grpSpPr>
+        <mc:AlternateContent xmlns:mc="http://schemas.openxmlformats.org/markup-compatibility/2006">
+          <mc:Choice xmlns:a14="http://schemas.microsoft.com/office/drawing/2010/main" Requires="a14">
+            <p:sp>
+              <p:nvSpPr>
+                <p:cNvPr id="36" name="TextBox 35">
+                  <a:extLst>
+                    <a:ext uri="{FF2B5EF4-FFF2-40B4-BE49-F238E27FC236}">
+                      <a16:creationId xmlns:a16="http://schemas.microsoft.com/office/drawing/2014/main" id="{71AE8F60-90C0-6344-98F2-B2F99DC502D9}"/>
+                    </a:ext>
+                  </a:extLst>
+                </p:cNvPr>
+                <p:cNvSpPr txBox="1"/>
+                <p:nvPr/>
+              </p:nvSpPr>
+              <p:spPr>
+                <a:xfrm>
+                  <a:off x="3367754" y="4351697"/>
+                  <a:ext cx="1280081" cy="369332"/>
+                </a:xfrm>
+                <a:prstGeom prst="rect">
+                  <a:avLst/>
+                </a:prstGeom>
+                <a:noFill/>
+              </p:spPr>
+              <p:txBody>
+                <a:bodyPr wrap="square" rtlCol="0">
+                  <a:spAutoFit/>
+                </a:bodyPr>
+                <a:lstStyle/>
+                <a:p>
+                  <a:pPr/>
+                  <a14:m>
+                    <m:oMathPara xmlns:m="http://schemas.openxmlformats.org/officeDocument/2006/math">
+                      <m:oMathParaPr>
+                        <m:jc m:val="centerGroup"/>
+                      </m:oMathParaPr>
+                      <m:oMath xmlns:m="http://schemas.openxmlformats.org/officeDocument/2006/math">
+                        <m:r>
+                          <a:rPr lang="en-US" b="0" i="1" smtClean="0">
+                            <a:latin typeface="Cambria Math" panose="02040503050406030204" pitchFamily="18" charset="0"/>
+                          </a:rPr>
+                          <m:t>𝑆𝑡𝑎𝑡𝑠</m:t>
+                        </m:r>
+                      </m:oMath>
+                    </m:oMathPara>
+                  </a14:m>
+                  <a:endParaRPr lang="en-DE" dirty="0"/>
+                </a:p>
+              </p:txBody>
+            </p:sp>
+          </mc:Choice>
+          <mc:Fallback>
+            <p:sp>
+              <p:nvSpPr>
+                <p:cNvPr id="36" name="TextBox 35">
+                  <a:extLst>
+                    <a:ext uri="{FF2B5EF4-FFF2-40B4-BE49-F238E27FC236}">
+                      <a16:creationId xmlns:a16="http://schemas.microsoft.com/office/drawing/2014/main" id="{71AE8F60-90C0-6344-98F2-B2F99DC502D9}"/>
+                    </a:ext>
+                  </a:extLst>
+                </p:cNvPr>
+                <p:cNvSpPr txBox="1">
+                  <a:spLocks noRot="1" noChangeAspect="1" noMove="1" noResize="1" noEditPoints="1" noAdjustHandles="1" noChangeArrowheads="1" noChangeShapeType="1" noTextEdit="1"/>
+                </p:cNvSpPr>
+                <p:nvPr/>
+              </p:nvSpPr>
+              <p:spPr>
+                <a:xfrm>
+                  <a:off x="3367754" y="4351697"/>
+                  <a:ext cx="1280081" cy="369332"/>
+                </a:xfrm>
+                <a:prstGeom prst="rect">
+                  <a:avLst/>
+                </a:prstGeom>
+                <a:blipFill>
+                  <a:blip r:embed="rId6"/>
+                  <a:stretch>
+                    <a:fillRect/>
+                  </a:stretch>
+                </a:blipFill>
+              </p:spPr>
+              <p:txBody>
+                <a:bodyPr/>
+                <a:lstStyle/>
+                <a:p>
+                  <a:r>
+                    <a:rPr lang="en-DE">
+                      <a:noFill/>
+                    </a:rPr>
+                    <a:t> </a:t>
+                  </a:r>
+                </a:p>
+              </p:txBody>
+            </p:sp>
+          </mc:Fallback>
+        </mc:AlternateContent>
+        <p:cxnSp>
+          <p:nvCxnSpPr>
+            <p:cNvPr id="37" name="Straight Arrow Connector 36">
+              <a:extLst>
+                <a:ext uri="{FF2B5EF4-FFF2-40B4-BE49-F238E27FC236}">
+                  <a16:creationId xmlns:a16="http://schemas.microsoft.com/office/drawing/2014/main" id="{96F1ADDE-736A-C04F-BDA8-5C413B1E4EBD}"/>
+                </a:ext>
+              </a:extLst>
+            </p:cNvPr>
+            <p:cNvCxnSpPr>
+              <a:cxnSpLocks/>
+            </p:cNvCxnSpPr>
+            <p:nvPr/>
+          </p:nvCxnSpPr>
+          <p:spPr>
+            <a:xfrm>
+              <a:off x="3627802" y="4721029"/>
+              <a:ext cx="1969935" cy="0"/>
+            </a:xfrm>
+            <a:prstGeom prst="straightConnector1">
+              <a:avLst/>
+            </a:prstGeom>
+            <a:ln w="57150">
+              <a:solidFill>
+                <a:schemeClr val="tx2">
+                  <a:lumMod val="50000"/>
+                </a:schemeClr>
+              </a:solidFill>
+              <a:tailEnd type="triangle"/>
+            </a:ln>
+          </p:spPr>
+          <p:style>
+            <a:lnRef idx="1">
+              <a:schemeClr val="accent1"/>
+            </a:lnRef>
+            <a:fillRef idx="0">
+              <a:schemeClr val="accent1"/>
+            </a:fillRef>
+            <a:effectRef idx="0">
+              <a:schemeClr val="accent1"/>
+            </a:effectRef>
+            <a:fontRef idx="minor">
+              <a:schemeClr val="tx1"/>
+            </a:fontRef>
+          </p:style>
+        </p:cxnSp>
+      </p:grpSp>
+      <p:grpSp>
+        <p:nvGrpSpPr>
+          <p:cNvPr id="38" name="Group 37">
+            <a:extLst>
+              <a:ext uri="{FF2B5EF4-FFF2-40B4-BE49-F238E27FC236}">
+                <a16:creationId xmlns:a16="http://schemas.microsoft.com/office/drawing/2014/main" id="{C63A0444-AD23-EF48-9EC1-4A694EE552B5}"/>
+              </a:ext>
+            </a:extLst>
+          </p:cNvPr>
+          <p:cNvGrpSpPr/>
+          <p:nvPr/>
+        </p:nvGrpSpPr>
+        <p:grpSpPr>
+          <a:xfrm>
+            <a:off x="1069398" y="3644352"/>
+            <a:ext cx="2229983" cy="369332"/>
+            <a:chOff x="3367754" y="4351697"/>
+            <a:chExt cx="2229983" cy="369332"/>
+          </a:xfrm>
+        </p:grpSpPr>
+        <mc:AlternateContent xmlns:mc="http://schemas.openxmlformats.org/markup-compatibility/2006">
+          <mc:Choice xmlns:a14="http://schemas.microsoft.com/office/drawing/2010/main" Requires="a14">
+            <p:sp>
+              <p:nvSpPr>
+                <p:cNvPr id="39" name="TextBox 38">
+                  <a:extLst>
+                    <a:ext uri="{FF2B5EF4-FFF2-40B4-BE49-F238E27FC236}">
+                      <a16:creationId xmlns:a16="http://schemas.microsoft.com/office/drawing/2014/main" id="{8834FFFA-A16E-6945-8F86-AEDED77F2A0C}"/>
+                    </a:ext>
+                  </a:extLst>
+                </p:cNvPr>
+                <p:cNvSpPr txBox="1"/>
+                <p:nvPr/>
+              </p:nvSpPr>
+              <p:spPr>
+                <a:xfrm>
+                  <a:off x="3367754" y="4351697"/>
+                  <a:ext cx="1280081" cy="369332"/>
+                </a:xfrm>
+                <a:prstGeom prst="rect">
+                  <a:avLst/>
+                </a:prstGeom>
+                <a:noFill/>
+              </p:spPr>
+              <p:txBody>
+                <a:bodyPr wrap="square" rtlCol="0">
+                  <a:spAutoFit/>
+                </a:bodyPr>
+                <a:lstStyle/>
+                <a:p>
+                  <a:pPr/>
+                  <a14:m>
+                    <m:oMathPara xmlns:m="http://schemas.openxmlformats.org/officeDocument/2006/math">
+                      <m:oMathParaPr>
+                        <m:jc m:val="centerGroup"/>
+                      </m:oMathParaPr>
+                      <m:oMath xmlns:m="http://schemas.openxmlformats.org/officeDocument/2006/math">
+                        <m:r>
+                          <a:rPr lang="en-US" b="0" i="1" smtClean="0">
+                            <a:latin typeface="Cambria Math" panose="02040503050406030204" pitchFamily="18" charset="0"/>
+                          </a:rPr>
+                          <m:t>𝑆𝑡𝑎𝑡𝑠</m:t>
+                        </m:r>
+                      </m:oMath>
+                    </m:oMathPara>
+                  </a14:m>
+                  <a:endParaRPr lang="en-DE" dirty="0"/>
+                </a:p>
+              </p:txBody>
+            </p:sp>
+          </mc:Choice>
+          <mc:Fallback>
+            <p:sp>
+              <p:nvSpPr>
+                <p:cNvPr id="39" name="TextBox 38">
+                  <a:extLst>
+                    <a:ext uri="{FF2B5EF4-FFF2-40B4-BE49-F238E27FC236}">
+                      <a16:creationId xmlns:a16="http://schemas.microsoft.com/office/drawing/2014/main" id="{8834FFFA-A16E-6945-8F86-AEDED77F2A0C}"/>
+                    </a:ext>
+                  </a:extLst>
+                </p:cNvPr>
+                <p:cNvSpPr txBox="1">
+                  <a:spLocks noRot="1" noChangeAspect="1" noMove="1" noResize="1" noEditPoints="1" noAdjustHandles="1" noChangeArrowheads="1" noChangeShapeType="1" noTextEdit="1"/>
+                </p:cNvSpPr>
+                <p:nvPr/>
+              </p:nvSpPr>
+              <p:spPr>
+                <a:xfrm>
+                  <a:off x="3367754" y="4351697"/>
+                  <a:ext cx="1280081" cy="369332"/>
+                </a:xfrm>
+                <a:prstGeom prst="rect">
+                  <a:avLst/>
+                </a:prstGeom>
+                <a:blipFill>
+                  <a:blip r:embed="rId8"/>
+                  <a:stretch>
+                    <a:fillRect/>
+                  </a:stretch>
+                </a:blipFill>
+              </p:spPr>
+              <p:txBody>
+                <a:bodyPr/>
+                <a:lstStyle/>
+                <a:p>
+                  <a:r>
+                    <a:rPr lang="en-DE">
+                      <a:noFill/>
+                    </a:rPr>
+                    <a:t> </a:t>
+                  </a:r>
+                </a:p>
+              </p:txBody>
+            </p:sp>
+          </mc:Fallback>
+        </mc:AlternateContent>
+        <p:cxnSp>
+          <p:nvCxnSpPr>
+            <p:cNvPr id="41" name="Straight Arrow Connector 40">
+              <a:extLst>
+                <a:ext uri="{FF2B5EF4-FFF2-40B4-BE49-F238E27FC236}">
+                  <a16:creationId xmlns:a16="http://schemas.microsoft.com/office/drawing/2014/main" id="{1B8FE12D-B9D8-3847-900E-DA5B80674014}"/>
+                </a:ext>
+              </a:extLst>
+            </p:cNvPr>
+            <p:cNvCxnSpPr>
+              <a:cxnSpLocks/>
+            </p:cNvCxnSpPr>
+            <p:nvPr/>
+          </p:nvCxnSpPr>
+          <p:spPr>
+            <a:xfrm>
+              <a:off x="3627802" y="4721029"/>
+              <a:ext cx="1969935" cy="0"/>
+            </a:xfrm>
+            <a:prstGeom prst="straightConnector1">
+              <a:avLst/>
+            </a:prstGeom>
+            <a:ln w="57150">
+              <a:solidFill>
+                <a:schemeClr val="tx2">
+                  <a:lumMod val="50000"/>
+                </a:schemeClr>
+              </a:solidFill>
+              <a:tailEnd type="triangle"/>
+            </a:ln>
+          </p:spPr>
+          <p:style>
+            <a:lnRef idx="1">
+              <a:schemeClr val="accent1"/>
+            </a:lnRef>
+            <a:fillRef idx="0">
+              <a:schemeClr val="accent1"/>
+            </a:fillRef>
+            <a:effectRef idx="0">
+              <a:schemeClr val="accent1"/>
+            </a:effectRef>
+            <a:fontRef idx="minor">
+              <a:schemeClr val="tx1"/>
+            </a:fontRef>
+          </p:style>
+        </p:cxnSp>
       </p:grpSp>
     </p:spTree>
     <p:extLst>
@@ -11498,8 +11574,8 @@
           </a:p>
         </p:txBody>
       </p:sp>
-      <mc:AlternateContent xmlns:mc="http://schemas.openxmlformats.org/markup-compatibility/2006">
-        <mc:Choice xmlns:a14="http://schemas.microsoft.com/office/drawing/2010/main" Requires="a14">
+      <mc:AlternateContent xmlns:mc="http://schemas.openxmlformats.org/markup-compatibility/2006" xmlns:a14="http://schemas.microsoft.com/office/drawing/2010/main">
+        <mc:Choice Requires="a14">
           <p:sp>
             <p:nvSpPr>
               <p:cNvPr id="34" name="TextBox 33">
@@ -11567,7 +11643,7 @@
             </p:txBody>
           </p:sp>
         </mc:Choice>
-        <mc:Fallback>
+        <mc:Fallback xmlns="">
           <p:sp>
             <p:nvSpPr>
               <p:cNvPr id="34" name="TextBox 33">
@@ -12353,8 +12429,8 @@
             </a:p>
           </p:txBody>
         </p:sp>
-        <mc:AlternateContent xmlns:mc="http://schemas.openxmlformats.org/markup-compatibility/2006">
-          <mc:Choice xmlns:a14="http://schemas.microsoft.com/office/drawing/2010/main" Requires="a14">
+        <mc:AlternateContent xmlns:mc="http://schemas.openxmlformats.org/markup-compatibility/2006" xmlns:a14="http://schemas.microsoft.com/office/drawing/2010/main">
+          <mc:Choice Requires="a14">
             <p:sp>
               <p:nvSpPr>
                 <p:cNvPr id="129" name="TextBox 128">
@@ -12401,7 +12477,7 @@
               </p:txBody>
             </p:sp>
           </mc:Choice>
-          <mc:Fallback>
+          <mc:Fallback xmlns="">
             <p:sp>
               <p:nvSpPr>
                 <p:cNvPr id="129" name="TextBox 128">
@@ -12446,8 +12522,8 @@
             </p:sp>
           </mc:Fallback>
         </mc:AlternateContent>
-        <mc:AlternateContent xmlns:mc="http://schemas.openxmlformats.org/markup-compatibility/2006">
-          <mc:Choice xmlns:a14="http://schemas.microsoft.com/office/drawing/2010/main" Requires="a14">
+        <mc:AlternateContent xmlns:mc="http://schemas.openxmlformats.org/markup-compatibility/2006" xmlns:a14="http://schemas.microsoft.com/office/drawing/2010/main">
+          <mc:Choice Requires="a14">
             <p:sp>
               <p:nvSpPr>
                 <p:cNvPr id="130" name="TextBox 129">
@@ -12494,7 +12570,7 @@
               </p:txBody>
             </p:sp>
           </mc:Choice>
-          <mc:Fallback>
+          <mc:Fallback xmlns="">
             <p:sp>
               <p:nvSpPr>
                 <p:cNvPr id="130" name="TextBox 129">
@@ -12539,8 +12615,8 @@
             </p:sp>
           </mc:Fallback>
         </mc:AlternateContent>
-        <mc:AlternateContent xmlns:mc="http://schemas.openxmlformats.org/markup-compatibility/2006">
-          <mc:Choice xmlns:a14="http://schemas.microsoft.com/office/drawing/2010/main" Requires="a14">
+        <mc:AlternateContent xmlns:mc="http://schemas.openxmlformats.org/markup-compatibility/2006" xmlns:a14="http://schemas.microsoft.com/office/drawing/2010/main">
+          <mc:Choice Requires="a14">
             <p:sp>
               <p:nvSpPr>
                 <p:cNvPr id="131" name="TextBox 130">
@@ -12751,7 +12827,7 @@
               </p:txBody>
             </p:sp>
           </mc:Choice>
-          <mc:Fallback>
+          <mc:Fallback xmlns="">
             <p:sp>
               <p:nvSpPr>
                 <p:cNvPr id="131" name="TextBox 130">
@@ -13029,8 +13105,8 @@
             </p:style>
           </p:cxnSp>
         </p:grpSp>
-        <mc:AlternateContent xmlns:mc="http://schemas.openxmlformats.org/markup-compatibility/2006">
-          <mc:Choice xmlns:a14="http://schemas.microsoft.com/office/drawing/2010/main" Requires="a14">
+        <mc:AlternateContent xmlns:mc="http://schemas.openxmlformats.org/markup-compatibility/2006" xmlns:a14="http://schemas.microsoft.com/office/drawing/2010/main">
+          <mc:Choice Requires="a14">
             <p:sp>
               <p:nvSpPr>
                 <p:cNvPr id="133" name="TextBox 132">
@@ -13059,6 +13135,7 @@
                 </a:bodyPr>
                 <a:lstStyle/>
                 <a:p>
+                  <a:pPr/>
                   <a14:m>
                     <m:oMathPara xmlns:m="http://schemas.openxmlformats.org/officeDocument/2006/math">
                       <m:oMathParaPr>
@@ -13079,7 +13156,7 @@
               </p:txBody>
             </p:sp>
           </mc:Choice>
-          <mc:Fallback>
+          <mc:Fallback xmlns="">
             <p:sp>
               <p:nvSpPr>
                 <p:cNvPr id="133" name="TextBox 132">
@@ -13124,8 +13201,8 @@
             </p:sp>
           </mc:Fallback>
         </mc:AlternateContent>
-        <mc:AlternateContent xmlns:mc="http://schemas.openxmlformats.org/markup-compatibility/2006">
-          <mc:Choice xmlns:a14="http://schemas.microsoft.com/office/drawing/2010/main" Requires="a14">
+        <mc:AlternateContent xmlns:mc="http://schemas.openxmlformats.org/markup-compatibility/2006" xmlns:a14="http://schemas.microsoft.com/office/drawing/2010/main">
+          <mc:Choice Requires="a14">
             <p:sp>
               <p:nvSpPr>
                 <p:cNvPr id="134" name="TextBox 133">
@@ -13154,6 +13231,7 @@
                 </a:bodyPr>
                 <a:lstStyle/>
                 <a:p>
+                  <a:pPr/>
                   <a14:m>
                     <m:oMathPara xmlns:m="http://schemas.openxmlformats.org/officeDocument/2006/math">
                       <m:oMathParaPr>
@@ -13174,7 +13252,7 @@
               </p:txBody>
             </p:sp>
           </mc:Choice>
-          <mc:Fallback>
+          <mc:Fallback xmlns="">
             <p:sp>
               <p:nvSpPr>
                 <p:cNvPr id="134" name="TextBox 133">
@@ -13557,8 +13635,8 @@
           </p:txBody>
         </p:sp>
       </p:grpSp>
-      <mc:AlternateContent xmlns:mc="http://schemas.openxmlformats.org/markup-compatibility/2006">
-        <mc:Choice xmlns:a14="http://schemas.microsoft.com/office/drawing/2010/main" Requires="a14">
+      <mc:AlternateContent xmlns:mc="http://schemas.openxmlformats.org/markup-compatibility/2006" xmlns:a14="http://schemas.microsoft.com/office/drawing/2010/main">
+        <mc:Choice Requires="a14">
           <p:sp>
             <p:nvSpPr>
               <p:cNvPr id="6" name="TextBox 5">
@@ -13587,6 +13665,7 @@
               </a:bodyPr>
               <a:lstStyle/>
               <a:p>
+                <a:pPr/>
                 <a14:m>
                   <m:oMathPara xmlns:m="http://schemas.openxmlformats.org/officeDocument/2006/math">
                     <m:oMathParaPr>
@@ -13613,7 +13692,7 @@
             </p:txBody>
           </p:sp>
         </mc:Choice>
-        <mc:Fallback>
+        <mc:Fallback xmlns="">
           <p:sp>
             <p:nvSpPr>
               <p:cNvPr id="6" name="TextBox 5">
@@ -13658,8 +13737,8 @@
           </p:sp>
         </mc:Fallback>
       </mc:AlternateContent>
-      <mc:AlternateContent xmlns:mc="http://schemas.openxmlformats.org/markup-compatibility/2006">
-        <mc:Choice xmlns:a14="http://schemas.microsoft.com/office/drawing/2010/main" Requires="a14">
+      <mc:AlternateContent xmlns:mc="http://schemas.openxmlformats.org/markup-compatibility/2006" xmlns:a14="http://schemas.microsoft.com/office/drawing/2010/main">
+        <mc:Choice Requires="a14">
           <p:sp>
             <p:nvSpPr>
               <p:cNvPr id="148" name="TextBox 147">
@@ -13688,6 +13767,7 @@
               </a:bodyPr>
               <a:lstStyle/>
               <a:p>
+                <a:pPr/>
                 <a14:m>
                   <m:oMathPara xmlns:m="http://schemas.openxmlformats.org/officeDocument/2006/math">
                     <m:oMathParaPr>
@@ -13739,7 +13819,7 @@
             </p:txBody>
           </p:sp>
         </mc:Choice>
-        <mc:Fallback>
+        <mc:Fallback xmlns="">
           <p:sp>
             <p:nvSpPr>
               <p:cNvPr id="148" name="TextBox 147">
@@ -13784,8 +13864,8 @@
           </p:sp>
         </mc:Fallback>
       </mc:AlternateContent>
-      <mc:AlternateContent xmlns:mc="http://schemas.openxmlformats.org/markup-compatibility/2006">
-        <mc:Choice xmlns:a14="http://schemas.microsoft.com/office/drawing/2010/main" Requires="a14">
+      <mc:AlternateContent xmlns:mc="http://schemas.openxmlformats.org/markup-compatibility/2006" xmlns:a14="http://schemas.microsoft.com/office/drawing/2010/main">
+        <mc:Choice Requires="a14">
           <p:sp>
             <p:nvSpPr>
               <p:cNvPr id="149" name="TextBox 148">
@@ -13814,6 +13894,7 @@
               </a:bodyPr>
               <a:lstStyle/>
               <a:p>
+                <a:pPr/>
                 <a14:m>
                   <m:oMathPara xmlns:m="http://schemas.openxmlformats.org/officeDocument/2006/math">
                     <m:oMathParaPr>
@@ -13887,7 +13968,7 @@
             </p:txBody>
           </p:sp>
         </mc:Choice>
-        <mc:Fallback>
+        <mc:Fallback xmlns="">
           <p:sp>
             <p:nvSpPr>
               <p:cNvPr id="149" name="TextBox 148">
@@ -13932,8 +14013,8 @@
           </p:sp>
         </mc:Fallback>
       </mc:AlternateContent>
-      <mc:AlternateContent xmlns:mc="http://schemas.openxmlformats.org/markup-compatibility/2006">
-        <mc:Choice xmlns:a14="http://schemas.microsoft.com/office/drawing/2010/main" Requires="a14">
+      <mc:AlternateContent xmlns:mc="http://schemas.openxmlformats.org/markup-compatibility/2006" xmlns:a14="http://schemas.microsoft.com/office/drawing/2010/main">
+        <mc:Choice Requires="a14">
           <p:sp>
             <p:nvSpPr>
               <p:cNvPr id="150" name="TextBox 149">
@@ -13962,6 +14043,7 @@
               </a:bodyPr>
               <a:lstStyle/>
               <a:p>
+                <a:pPr/>
                 <a14:m>
                   <m:oMathPara xmlns:m="http://schemas.openxmlformats.org/officeDocument/2006/math">
                     <m:oMathParaPr>
@@ -14035,7 +14117,7 @@
             </p:txBody>
           </p:sp>
         </mc:Choice>
-        <mc:Fallback>
+        <mc:Fallback xmlns="">
           <p:sp>
             <p:nvSpPr>
               <p:cNvPr id="150" name="TextBox 149">
@@ -14080,8 +14162,8 @@
           </p:sp>
         </mc:Fallback>
       </mc:AlternateContent>
-      <mc:AlternateContent xmlns:mc="http://schemas.openxmlformats.org/markup-compatibility/2006">
-        <mc:Choice xmlns:a14="http://schemas.microsoft.com/office/drawing/2010/main" Requires="a14">
+      <mc:AlternateContent xmlns:mc="http://schemas.openxmlformats.org/markup-compatibility/2006" xmlns:a14="http://schemas.microsoft.com/office/drawing/2010/main">
+        <mc:Choice Requires="a14">
           <p:sp>
             <p:nvSpPr>
               <p:cNvPr id="12" name="TextBox 11">
@@ -14110,6 +14192,7 @@
               </a:bodyPr>
               <a:lstStyle/>
               <a:p>
+                <a:pPr/>
                 <a14:m>
                   <m:oMathPara xmlns:m="http://schemas.openxmlformats.org/officeDocument/2006/math">
                     <m:oMathParaPr>
@@ -14130,7 +14213,7 @@
             </p:txBody>
           </p:sp>
         </mc:Choice>
-        <mc:Fallback>
+        <mc:Fallback xmlns="">
           <p:sp>
             <p:nvSpPr>
               <p:cNvPr id="12" name="TextBox 11">
@@ -14175,8 +14258,8 @@
           </p:sp>
         </mc:Fallback>
       </mc:AlternateContent>
-      <mc:AlternateContent xmlns:mc="http://schemas.openxmlformats.org/markup-compatibility/2006">
-        <mc:Choice xmlns:a14="http://schemas.microsoft.com/office/drawing/2010/main" Requires="a14">
+      <mc:AlternateContent xmlns:mc="http://schemas.openxmlformats.org/markup-compatibility/2006" xmlns:a14="http://schemas.microsoft.com/office/drawing/2010/main">
+        <mc:Choice Requires="a14">
           <p:sp>
             <p:nvSpPr>
               <p:cNvPr id="151" name="TextBox 150">
@@ -14205,6 +14288,7 @@
               </a:bodyPr>
               <a:lstStyle/>
               <a:p>
+                <a:pPr/>
                 <a14:m>
                   <m:oMathPara xmlns:m="http://schemas.openxmlformats.org/officeDocument/2006/math">
                     <m:oMathParaPr>
@@ -14278,7 +14362,7 @@
             </p:txBody>
           </p:sp>
         </mc:Choice>
-        <mc:Fallback>
+        <mc:Fallback xmlns="">
           <p:sp>
             <p:nvSpPr>
               <p:cNvPr id="151" name="TextBox 150">
@@ -14995,8 +15079,8 @@
           </a:p>
         </p:txBody>
       </p:sp>
-      <mc:AlternateContent xmlns:mc="http://schemas.openxmlformats.org/markup-compatibility/2006">
-        <mc:Choice xmlns:a14="http://schemas.microsoft.com/office/drawing/2010/main" Requires="a14">
+      <mc:AlternateContent xmlns:mc="http://schemas.openxmlformats.org/markup-compatibility/2006" xmlns:a14="http://schemas.microsoft.com/office/drawing/2010/main">
+        <mc:Choice Requires="a14">
           <p:sp>
             <p:nvSpPr>
               <p:cNvPr id="16" name="TextBox 15">
@@ -15413,7 +15497,7 @@
             </p:txBody>
           </p:sp>
         </mc:Choice>
-        <mc:Fallback>
+        <mc:Fallback xmlns="">
           <p:sp>
             <p:nvSpPr>
               <p:cNvPr id="16" name="TextBox 15">
@@ -15458,8 +15542,8 @@
           </p:sp>
         </mc:Fallback>
       </mc:AlternateContent>
-      <mc:AlternateContent xmlns:mc="http://schemas.openxmlformats.org/markup-compatibility/2006">
-        <mc:Choice xmlns:a14="http://schemas.microsoft.com/office/drawing/2010/main" Requires="a14">
+      <mc:AlternateContent xmlns:mc="http://schemas.openxmlformats.org/markup-compatibility/2006" xmlns:a14="http://schemas.microsoft.com/office/drawing/2010/main">
+        <mc:Choice Requires="a14">
           <p:sp>
             <p:nvSpPr>
               <p:cNvPr id="19" name="TextBox 18">
@@ -15488,6 +15572,7 @@
               </a:bodyPr>
               <a:lstStyle/>
               <a:p>
+                <a:pPr/>
                 <a14:m>
                   <m:oMathPara xmlns:m="http://schemas.openxmlformats.org/officeDocument/2006/math">
                     <m:oMathParaPr>
@@ -15694,7 +15779,7 @@
             </p:txBody>
           </p:sp>
         </mc:Choice>
-        <mc:Fallback>
+        <mc:Fallback xmlns="">
           <p:sp>
             <p:nvSpPr>
               <p:cNvPr id="19" name="TextBox 18">
